--- a/images_pvis/comparison_orient.pptx
+++ b/images_pvis/comparison_orient.pptx
@@ -104,6 +104,11 @@
       </a:defRPr>
     </a:lvl9pPr>
   </p:defaultTextStyle>
+  <p:extLst>
+    <p:ext uri="{EFAFB233-063F-42B5-8137-9DF3F51BA10A}">
+      <p15:sldGuideLst xmlns:p15="http://schemas.microsoft.com/office/powerpoint/2012/main"/>
+    </p:ext>
+  </p:extLst>
 </p:presentation>
 </file>
 
@@ -2968,411 +2973,394 @@
           <a:chExt cx="0" cy="0"/>
         </a:xfrm>
       </p:grpSpPr>
-      <p:grpSp>
-        <p:nvGrpSpPr>
-          <p:cNvPr id="4" name="Group 3"/>
-          <p:cNvGrpSpPr>
-            <a:grpSpLocks noChangeAspect="1"/>
-          </p:cNvGrpSpPr>
+      <p:sp>
+        <p:nvSpPr>
+          <p:cNvPr id="5" name="Rectangle 4"/>
+          <p:cNvSpPr/>
           <p:nvPr/>
-        </p:nvGrpSpPr>
-        <p:grpSpPr>
+        </p:nvSpPr>
+        <p:spPr>
           <a:xfrm>
-            <a:off x="1017449" y="0"/>
+            <a:off x="387969" y="0"/>
             <a:ext cx="18184951" cy="5013831"/>
-            <a:chOff x="-220780" y="8192262"/>
-            <a:chExt cx="18508780" cy="5103115"/>
           </a:xfrm>
-        </p:grpSpPr>
-        <p:sp>
-          <p:nvSpPr>
-            <p:cNvPr id="5" name="Rectangle 4"/>
-            <p:cNvSpPr/>
-            <p:nvPr/>
-          </p:nvSpPr>
-          <p:spPr>
-            <a:xfrm>
-              <a:off x="-220780" y="8192262"/>
-              <a:ext cx="18508780" cy="5103115"/>
-            </a:xfrm>
-            <a:prstGeom prst="rect">
-              <a:avLst/>
-            </a:prstGeom>
-            <a:solidFill>
-              <a:schemeClr val="bg1"/>
-            </a:solidFill>
-            <a:ln>
-              <a:noFill/>
-            </a:ln>
-          </p:spPr>
-          <p:style>
-            <a:lnRef idx="2">
-              <a:schemeClr val="accent1">
-                <a:shade val="50000"/>
-              </a:schemeClr>
-            </a:lnRef>
-            <a:fillRef idx="1">
-              <a:schemeClr val="accent1"/>
-            </a:fillRef>
-            <a:effectRef idx="0">
-              <a:schemeClr val="accent1"/>
-            </a:effectRef>
-            <a:fontRef idx="minor">
-              <a:schemeClr val="lt1"/>
-            </a:fontRef>
-          </p:style>
-          <p:txBody>
-            <a:bodyPr rtlCol="0" anchor="ctr"/>
-            <a:lstStyle/>
-            <a:p>
-              <a:pPr algn="ctr"/>
-              <a:endParaRPr lang="en-US" sz="1440"/>
-            </a:p>
-          </p:txBody>
-        </p:sp>
-        <p:pic>
-          <p:nvPicPr>
-            <p:cNvPr id="6" name="Picture 5"/>
-            <p:cNvPicPr>
-              <a:picLocks noChangeAspect="1"/>
-            </p:cNvPicPr>
-            <p:nvPr/>
-          </p:nvPicPr>
-          <p:blipFill>
-            <a:blip r:embed="rId2">
-              <a:extLst>
-                <a:ext uri="{28A0092B-C50C-407E-A947-70E740481C1C}">
-                  <a14:useLocalDpi xmlns:a14="http://schemas.microsoft.com/office/drawing/2010/main" val="0"/>
-                </a:ext>
-              </a:extLst>
-            </a:blip>
-            <a:stretch>
-              <a:fillRect/>
-            </a:stretch>
-          </p:blipFill>
-          <p:spPr>
-            <a:xfrm>
-              <a:off x="-220780" y="8834454"/>
-              <a:ext cx="3972166" cy="3670707"/>
-            </a:xfrm>
-            <a:prstGeom prst="rect">
-              <a:avLst/>
-            </a:prstGeom>
-            <a:ln>
-              <a:noFill/>
-            </a:ln>
-          </p:spPr>
-        </p:pic>
-        <p:sp>
-          <p:nvSpPr>
-            <p:cNvPr id="7" name="Flowchart: Alternate Process 6"/>
-            <p:cNvSpPr/>
-            <p:nvPr/>
-          </p:nvSpPr>
-          <p:spPr>
-            <a:xfrm>
-              <a:off x="366271" y="12505162"/>
-              <a:ext cx="2798064" cy="790214"/>
-            </a:xfrm>
-            <a:prstGeom prst="flowChartAlternateProcess">
-              <a:avLst/>
-            </a:prstGeom>
-            <a:solidFill>
-              <a:srgbClr val="BAE3D6"/>
-            </a:solidFill>
-            <a:ln>
-              <a:noFill/>
-            </a:ln>
-          </p:spPr>
-          <p:style>
-            <a:lnRef idx="2">
-              <a:schemeClr val="accent1">
-                <a:shade val="50000"/>
-              </a:schemeClr>
-            </a:lnRef>
-            <a:fillRef idx="1">
-              <a:schemeClr val="accent1"/>
-            </a:fillRef>
-            <a:effectRef idx="0">
-              <a:schemeClr val="accent1"/>
-            </a:effectRef>
-            <a:fontRef idx="minor">
-              <a:schemeClr val="lt1"/>
-            </a:fontRef>
-          </p:style>
-          <p:txBody>
-            <a:bodyPr rtlCol="0" anchor="ctr"/>
-            <a:lstStyle/>
-            <a:p>
-              <a:pPr algn="ctr"/>
-              <a:r>
-                <a:rPr lang="en-US" sz="3200" dirty="0">
-                  <a:solidFill>
-                    <a:srgbClr val="238B45"/>
-                  </a:solidFill>
-                </a:rPr>
-                <a:t>MetaTracts</a:t>
-              </a:r>
-              <a:endParaRPr lang="en-US" sz="3200" dirty="0"/>
-            </a:p>
-          </p:txBody>
-        </p:sp>
-        <p:sp>
-          <p:nvSpPr>
-            <p:cNvPr id="8" name="Flowchart: Alternate Process 7"/>
-            <p:cNvSpPr/>
-            <p:nvPr/>
-          </p:nvSpPr>
-          <p:spPr>
-            <a:xfrm>
-              <a:off x="9716892" y="12505163"/>
-              <a:ext cx="2796738" cy="790214"/>
-            </a:xfrm>
-            <a:prstGeom prst="flowChartAlternateProcess">
-              <a:avLst/>
-            </a:prstGeom>
-            <a:solidFill>
-              <a:srgbClr val="66C2A4">
-                <a:alpha val="45000"/>
-              </a:srgbClr>
-            </a:solidFill>
-            <a:ln>
-              <a:noFill/>
-            </a:ln>
-          </p:spPr>
-          <p:style>
-            <a:lnRef idx="2">
-              <a:schemeClr val="accent1">
-                <a:shade val="50000"/>
-              </a:schemeClr>
-            </a:lnRef>
-            <a:fillRef idx="1">
-              <a:schemeClr val="accent1"/>
-            </a:fillRef>
-            <a:effectRef idx="0">
-              <a:schemeClr val="accent1"/>
-            </a:effectRef>
-            <a:fontRef idx="minor">
-              <a:schemeClr val="lt1"/>
-            </a:fontRef>
-          </p:style>
-          <p:txBody>
-            <a:bodyPr rtlCol="0" anchor="ctr"/>
-            <a:lstStyle/>
-            <a:p>
-              <a:pPr algn="ctr"/>
-              <a:r>
-                <a:rPr lang="en-US" sz="3200" dirty="0">
-                  <a:solidFill>
-                    <a:srgbClr val="238B45"/>
-                  </a:solidFill>
-                </a:rPr>
-                <a:t>15 clusters</a:t>
-              </a:r>
-              <a:endParaRPr lang="en-US" sz="3200" dirty="0"/>
-            </a:p>
-          </p:txBody>
-        </p:sp>
-        <p:sp>
-          <p:nvSpPr>
-            <p:cNvPr id="9" name="Flowchart: Alternate Process 8"/>
-            <p:cNvSpPr/>
-            <p:nvPr/>
-          </p:nvSpPr>
-          <p:spPr>
-            <a:xfrm>
-              <a:off x="4838586" y="12505163"/>
-              <a:ext cx="2796738" cy="790214"/>
-            </a:xfrm>
-            <a:prstGeom prst="flowChartAlternateProcess">
-              <a:avLst/>
-            </a:prstGeom>
-            <a:solidFill>
-              <a:srgbClr val="66C2A4">
-                <a:alpha val="45000"/>
-              </a:srgbClr>
-            </a:solidFill>
-            <a:ln>
-              <a:noFill/>
-            </a:ln>
-          </p:spPr>
-          <p:style>
-            <a:lnRef idx="2">
-              <a:schemeClr val="accent1">
-                <a:shade val="50000"/>
-              </a:schemeClr>
-            </a:lnRef>
-            <a:fillRef idx="1">
-              <a:schemeClr val="accent1"/>
-            </a:fillRef>
-            <a:effectRef idx="0">
-              <a:schemeClr val="accent1"/>
-            </a:effectRef>
-            <a:fontRef idx="minor">
-              <a:schemeClr val="lt1"/>
-            </a:fontRef>
-          </p:style>
-          <p:txBody>
-            <a:bodyPr rtlCol="0" anchor="ctr"/>
-            <a:lstStyle/>
-            <a:p>
-              <a:pPr algn="ctr"/>
-              <a:r>
-                <a:rPr lang="en-US" sz="3200" dirty="0">
-                  <a:solidFill>
-                    <a:srgbClr val="238B45"/>
-                  </a:solidFill>
-                </a:rPr>
-                <a:t>10 clusters</a:t>
-              </a:r>
-              <a:endParaRPr lang="en-US" sz="3200" dirty="0"/>
-            </a:p>
-          </p:txBody>
-        </p:sp>
-        <p:sp>
-          <p:nvSpPr>
-            <p:cNvPr id="10" name="Flowchart: Alternate Process 9"/>
-            <p:cNvSpPr/>
-            <p:nvPr/>
-          </p:nvSpPr>
-          <p:spPr>
-            <a:xfrm>
-              <a:off x="14428650" y="12505163"/>
-              <a:ext cx="2796738" cy="790214"/>
-            </a:xfrm>
-            <a:prstGeom prst="flowChartAlternateProcess">
-              <a:avLst/>
-            </a:prstGeom>
-            <a:solidFill>
-              <a:srgbClr val="66C2A4">
-                <a:alpha val="45000"/>
-              </a:srgbClr>
-            </a:solidFill>
-            <a:ln>
-              <a:noFill/>
-            </a:ln>
-          </p:spPr>
-          <p:style>
-            <a:lnRef idx="2">
-              <a:schemeClr val="accent1">
-                <a:shade val="50000"/>
-              </a:schemeClr>
-            </a:lnRef>
-            <a:fillRef idx="1">
-              <a:schemeClr val="accent1"/>
-            </a:fillRef>
-            <a:effectRef idx="0">
-              <a:schemeClr val="accent1"/>
-            </a:effectRef>
-            <a:fontRef idx="minor">
-              <a:schemeClr val="lt1"/>
-            </a:fontRef>
-          </p:style>
-          <p:txBody>
-            <a:bodyPr rtlCol="0" anchor="ctr"/>
-            <a:lstStyle/>
-            <a:p>
-              <a:pPr algn="ctr"/>
-              <a:r>
-                <a:rPr lang="en-US" sz="3200" dirty="0">
-                  <a:solidFill>
-                    <a:srgbClr val="238B45"/>
-                  </a:solidFill>
-                </a:rPr>
-                <a:t>20 clusters</a:t>
-              </a:r>
-              <a:endParaRPr lang="en-US" sz="3200" dirty="0"/>
-            </a:p>
-          </p:txBody>
-        </p:sp>
-        <p:pic>
-          <p:nvPicPr>
-            <p:cNvPr id="11" name="Picture 10"/>
-            <p:cNvPicPr>
-              <a:picLocks noChangeAspect="1"/>
-            </p:cNvPicPr>
-            <p:nvPr/>
-          </p:nvPicPr>
-          <p:blipFill rotWithShape="1">
-            <a:blip r:embed="rId3">
-              <a:extLst>
-                <a:ext uri="{28A0092B-C50C-407E-A947-70E740481C1C}">
-                  <a14:useLocalDpi xmlns:a14="http://schemas.microsoft.com/office/drawing/2010/main" val="0"/>
-                </a:ext>
-              </a:extLst>
-            </a:blip>
-            <a:srcRect t="16816" b="7769"/>
-            <a:stretch/>
-          </p:blipFill>
-          <p:spPr>
-            <a:xfrm>
-              <a:off x="4484424" y="9216146"/>
-              <a:ext cx="4023494" cy="2907323"/>
-            </a:xfrm>
-            <a:prstGeom prst="rect">
-              <a:avLst/>
-            </a:prstGeom>
-          </p:spPr>
-        </p:pic>
-        <p:pic>
-          <p:nvPicPr>
-            <p:cNvPr id="12" name="Picture 11"/>
-            <p:cNvPicPr>
-              <a:picLocks noChangeAspect="1"/>
-            </p:cNvPicPr>
-            <p:nvPr/>
-          </p:nvPicPr>
-          <p:blipFill rotWithShape="1">
-            <a:blip r:embed="rId4">
-              <a:extLst>
-                <a:ext uri="{28A0092B-C50C-407E-A947-70E740481C1C}">
-                  <a14:useLocalDpi xmlns:a14="http://schemas.microsoft.com/office/drawing/2010/main" val="0"/>
-                </a:ext>
-              </a:extLst>
-            </a:blip>
-            <a:srcRect l="7021" t="18201" b="7892"/>
-            <a:stretch/>
-          </p:blipFill>
-          <p:spPr>
-            <a:xfrm>
-              <a:off x="9240956" y="9120747"/>
-              <a:ext cx="4023360" cy="3098121"/>
-            </a:xfrm>
-            <a:prstGeom prst="rect">
-              <a:avLst/>
-            </a:prstGeom>
-          </p:spPr>
-        </p:pic>
-        <p:pic>
-          <p:nvPicPr>
-            <p:cNvPr id="13" name="Picture 12"/>
-            <p:cNvPicPr>
-              <a:picLocks noChangeAspect="1"/>
-            </p:cNvPicPr>
-            <p:nvPr/>
-          </p:nvPicPr>
-          <p:blipFill rotWithShape="1">
-            <a:blip r:embed="rId5">
-              <a:extLst>
-                <a:ext uri="{28A0092B-C50C-407E-A947-70E740481C1C}">
-                  <a14:useLocalDpi xmlns:a14="http://schemas.microsoft.com/office/drawing/2010/main" val="0"/>
-                </a:ext>
-              </a:extLst>
-            </a:blip>
-            <a:srcRect l="6903" t="18381" b="8014"/>
-            <a:stretch/>
-          </p:blipFill>
-          <p:spPr>
-            <a:xfrm>
-              <a:off x="13997353" y="9157885"/>
-              <a:ext cx="4023360" cy="3023844"/>
-            </a:xfrm>
-            <a:prstGeom prst="rect">
-              <a:avLst/>
-            </a:prstGeom>
-          </p:spPr>
-        </p:pic>
-      </p:grpSp>
+          <a:prstGeom prst="rect">
+            <a:avLst/>
+          </a:prstGeom>
+          <a:solidFill>
+            <a:schemeClr val="bg1"/>
+          </a:solidFill>
+          <a:ln>
+            <a:noFill/>
+          </a:ln>
+        </p:spPr>
+        <p:style>
+          <a:lnRef idx="2">
+            <a:schemeClr val="accent1">
+              <a:shade val="50000"/>
+            </a:schemeClr>
+          </a:lnRef>
+          <a:fillRef idx="1">
+            <a:schemeClr val="accent1"/>
+          </a:fillRef>
+          <a:effectRef idx="0">
+            <a:schemeClr val="accent1"/>
+          </a:effectRef>
+          <a:fontRef idx="minor">
+            <a:schemeClr val="lt1"/>
+          </a:fontRef>
+        </p:style>
+        <p:txBody>
+          <a:bodyPr rtlCol="0" anchor="ctr"/>
+          <a:lstStyle/>
+          <a:p>
+            <a:pPr algn="ctr"/>
+            <a:endParaRPr lang="en-US" sz="1440"/>
+          </a:p>
+        </p:txBody>
+      </p:sp>
+      <p:pic>
+        <p:nvPicPr>
+          <p:cNvPr id="6" name="Picture 5"/>
+          <p:cNvPicPr>
+            <a:picLocks noChangeAspect="1"/>
+          </p:cNvPicPr>
+          <p:nvPr/>
+        </p:nvPicPr>
+        <p:blipFill>
+          <a:blip r:embed="rId2">
+            <a:extLst>
+              <a:ext uri="{28A0092B-C50C-407E-A947-70E740481C1C}">
+                <a14:useLocalDpi xmlns:a14="http://schemas.microsoft.com/office/drawing/2010/main" val="0"/>
+              </a:ext>
+            </a:extLst>
+          </a:blip>
+          <a:stretch>
+            <a:fillRect/>
+          </a:stretch>
+        </p:blipFill>
+        <p:spPr>
+          <a:xfrm>
+            <a:off x="614790" y="630957"/>
+            <a:ext cx="3902668" cy="3606484"/>
+          </a:xfrm>
+          <a:prstGeom prst="rect">
+            <a:avLst/>
+          </a:prstGeom>
+          <a:ln>
+            <a:noFill/>
+          </a:ln>
+        </p:spPr>
+      </p:pic>
+      <p:sp>
+        <p:nvSpPr>
+          <p:cNvPr id="7" name="Flowchart: Alternate Process 6"/>
+          <p:cNvSpPr/>
+          <p:nvPr/>
+        </p:nvSpPr>
+        <p:spPr>
+          <a:xfrm>
+            <a:off x="1191569" y="4237442"/>
+            <a:ext cx="2749109" cy="776388"/>
+          </a:xfrm>
+          <a:prstGeom prst="flowChartAlternateProcess">
+            <a:avLst/>
+          </a:prstGeom>
+          <a:solidFill>
+            <a:srgbClr val="BAE3D6"/>
+          </a:solidFill>
+          <a:ln>
+            <a:noFill/>
+          </a:ln>
+        </p:spPr>
+        <p:style>
+          <a:lnRef idx="2">
+            <a:schemeClr val="accent1">
+              <a:shade val="50000"/>
+            </a:schemeClr>
+          </a:lnRef>
+          <a:fillRef idx="1">
+            <a:schemeClr val="accent1"/>
+          </a:fillRef>
+          <a:effectRef idx="0">
+            <a:schemeClr val="accent1"/>
+          </a:effectRef>
+          <a:fontRef idx="minor">
+            <a:schemeClr val="lt1"/>
+          </a:fontRef>
+        </p:style>
+        <p:txBody>
+          <a:bodyPr rtlCol="0" anchor="ctr"/>
+          <a:lstStyle/>
+          <a:p>
+            <a:pPr algn="ctr"/>
+            <a:r>
+              <a:rPr lang="en-US" sz="3200" dirty="0">
+                <a:solidFill>
+                  <a:srgbClr val="238B45"/>
+                </a:solidFill>
+              </a:rPr>
+              <a:t>MetaTracts</a:t>
+            </a:r>
+            <a:endParaRPr lang="en-US" sz="3200" dirty="0"/>
+          </a:p>
+        </p:txBody>
+      </p:sp>
+      <p:pic>
+        <p:nvPicPr>
+          <p:cNvPr id="11" name="Picture 10"/>
+          <p:cNvPicPr>
+            <a:picLocks noChangeAspect="1"/>
+          </p:cNvPicPr>
+          <p:nvPr/>
+        </p:nvPicPr>
+        <p:blipFill rotWithShape="1">
+          <a:blip r:embed="rId3">
+            <a:extLst>
+              <a:ext uri="{28A0092B-C50C-407E-A947-70E740481C1C}">
+                <a14:useLocalDpi xmlns:a14="http://schemas.microsoft.com/office/drawing/2010/main" val="0"/>
+              </a:ext>
+            </a:extLst>
+          </a:blip>
+          <a:srcRect t="16816" b="7769"/>
+          <a:stretch/>
+        </p:blipFill>
+        <p:spPr>
+          <a:xfrm>
+            <a:off x="4241124" y="454629"/>
+            <a:ext cx="5029200" cy="3634034"/>
+          </a:xfrm>
+          <a:prstGeom prst="rect">
+            <a:avLst/>
+          </a:prstGeom>
+        </p:spPr>
+      </p:pic>
+      <p:pic>
+        <p:nvPicPr>
+          <p:cNvPr id="12" name="Picture 11"/>
+          <p:cNvPicPr>
+            <a:picLocks noChangeAspect="1"/>
+          </p:cNvPicPr>
+          <p:nvPr/>
+        </p:nvPicPr>
+        <p:blipFill rotWithShape="1">
+          <a:blip r:embed="rId4">
+            <a:extLst>
+              <a:ext uri="{28A0092B-C50C-407E-A947-70E740481C1C}">
+                <a14:useLocalDpi xmlns:a14="http://schemas.microsoft.com/office/drawing/2010/main" val="0"/>
+              </a:ext>
+            </a:extLst>
+          </a:blip>
+          <a:srcRect l="7021" t="18201" b="7892"/>
+          <a:stretch/>
+        </p:blipFill>
+        <p:spPr>
+          <a:xfrm>
+            <a:off x="9260200" y="335322"/>
+            <a:ext cx="5029200" cy="3872651"/>
+          </a:xfrm>
+          <a:prstGeom prst="rect">
+            <a:avLst/>
+          </a:prstGeom>
+        </p:spPr>
+      </p:pic>
+      <p:pic>
+        <p:nvPicPr>
+          <p:cNvPr id="13" name="Picture 12"/>
+          <p:cNvPicPr>
+            <a:picLocks noChangeAspect="1"/>
+          </p:cNvPicPr>
+          <p:nvPr/>
+        </p:nvPicPr>
+        <p:blipFill rotWithShape="1">
+          <a:blip r:embed="rId5">
+            <a:extLst>
+              <a:ext uri="{28A0092B-C50C-407E-A947-70E740481C1C}">
+                <a14:useLocalDpi xmlns:a14="http://schemas.microsoft.com/office/drawing/2010/main" val="0"/>
+              </a:ext>
+            </a:extLst>
+          </a:blip>
+          <a:srcRect l="6903" t="18381" b="8014"/>
+          <a:stretch/>
+        </p:blipFill>
+        <p:spPr>
+          <a:xfrm>
+            <a:off x="14443430" y="428169"/>
+            <a:ext cx="5029200" cy="3779804"/>
+          </a:xfrm>
+          <a:prstGeom prst="rect">
+            <a:avLst/>
+          </a:prstGeom>
+        </p:spPr>
+      </p:pic>
+      <p:sp>
+        <p:nvSpPr>
+          <p:cNvPr id="9" name="Flowchart: Alternate Process 8"/>
+          <p:cNvSpPr/>
+          <p:nvPr/>
+        </p:nvSpPr>
+        <p:spPr>
+          <a:xfrm>
+            <a:off x="5216239" y="4237442"/>
+            <a:ext cx="2747806" cy="776388"/>
+          </a:xfrm>
+          <a:prstGeom prst="flowChartAlternateProcess">
+            <a:avLst/>
+          </a:prstGeom>
+          <a:solidFill>
+            <a:srgbClr val="66C2A4">
+              <a:alpha val="45000"/>
+            </a:srgbClr>
+          </a:solidFill>
+          <a:ln>
+            <a:noFill/>
+          </a:ln>
+        </p:spPr>
+        <p:style>
+          <a:lnRef idx="2">
+            <a:schemeClr val="accent1">
+              <a:shade val="50000"/>
+            </a:schemeClr>
+          </a:lnRef>
+          <a:fillRef idx="1">
+            <a:schemeClr val="accent1"/>
+          </a:fillRef>
+          <a:effectRef idx="0">
+            <a:schemeClr val="accent1"/>
+          </a:effectRef>
+          <a:fontRef idx="minor">
+            <a:schemeClr val="lt1"/>
+          </a:fontRef>
+        </p:style>
+        <p:txBody>
+          <a:bodyPr rtlCol="0" anchor="ctr"/>
+          <a:lstStyle/>
+          <a:p>
+            <a:pPr algn="ctr"/>
+            <a:r>
+              <a:rPr lang="en-US" sz="3200" dirty="0">
+                <a:solidFill>
+                  <a:srgbClr val="238B45"/>
+                </a:solidFill>
+              </a:rPr>
+              <a:t>10 clusters</a:t>
+            </a:r>
+            <a:endParaRPr lang="en-US" sz="3200" dirty="0"/>
+          </a:p>
+        </p:txBody>
+      </p:sp>
+      <p:sp>
+        <p:nvSpPr>
+          <p:cNvPr id="8" name="Flowchart: Alternate Process 7"/>
+          <p:cNvSpPr/>
+          <p:nvPr/>
+        </p:nvSpPr>
+        <p:spPr>
+          <a:xfrm>
+            <a:off x="10313406" y="4237442"/>
+            <a:ext cx="2747806" cy="776388"/>
+          </a:xfrm>
+          <a:prstGeom prst="flowChartAlternateProcess">
+            <a:avLst/>
+          </a:prstGeom>
+          <a:solidFill>
+            <a:srgbClr val="66C2A4">
+              <a:alpha val="45000"/>
+            </a:srgbClr>
+          </a:solidFill>
+          <a:ln>
+            <a:noFill/>
+          </a:ln>
+        </p:spPr>
+        <p:style>
+          <a:lnRef idx="2">
+            <a:schemeClr val="accent1">
+              <a:shade val="50000"/>
+            </a:schemeClr>
+          </a:lnRef>
+          <a:fillRef idx="1">
+            <a:schemeClr val="accent1"/>
+          </a:fillRef>
+          <a:effectRef idx="0">
+            <a:schemeClr val="accent1"/>
+          </a:effectRef>
+          <a:fontRef idx="minor">
+            <a:schemeClr val="lt1"/>
+          </a:fontRef>
+        </p:style>
+        <p:txBody>
+          <a:bodyPr rtlCol="0" anchor="ctr"/>
+          <a:lstStyle/>
+          <a:p>
+            <a:pPr algn="ctr"/>
+            <a:r>
+              <a:rPr lang="en-US" sz="3200" dirty="0">
+                <a:solidFill>
+                  <a:srgbClr val="238B45"/>
+                </a:solidFill>
+              </a:rPr>
+              <a:t>15 clusters</a:t>
+            </a:r>
+            <a:endParaRPr lang="en-US" sz="3200" dirty="0"/>
+          </a:p>
+        </p:txBody>
+      </p:sp>
+      <p:sp>
+        <p:nvSpPr>
+          <p:cNvPr id="10" name="Flowchart: Alternate Process 9"/>
+          <p:cNvSpPr/>
+          <p:nvPr/>
+        </p:nvSpPr>
+        <p:spPr>
+          <a:xfrm>
+            <a:off x="15154562" y="4237442"/>
+            <a:ext cx="2747806" cy="776388"/>
+          </a:xfrm>
+          <a:prstGeom prst="flowChartAlternateProcess">
+            <a:avLst/>
+          </a:prstGeom>
+          <a:solidFill>
+            <a:srgbClr val="66C2A4">
+              <a:alpha val="45000"/>
+            </a:srgbClr>
+          </a:solidFill>
+          <a:ln>
+            <a:noFill/>
+          </a:ln>
+        </p:spPr>
+        <p:style>
+          <a:lnRef idx="2">
+            <a:schemeClr val="accent1">
+              <a:shade val="50000"/>
+            </a:schemeClr>
+          </a:lnRef>
+          <a:fillRef idx="1">
+            <a:schemeClr val="accent1"/>
+          </a:fillRef>
+          <a:effectRef idx="0">
+            <a:schemeClr val="accent1"/>
+          </a:effectRef>
+          <a:fontRef idx="minor">
+            <a:schemeClr val="lt1"/>
+          </a:fontRef>
+        </p:style>
+        <p:txBody>
+          <a:bodyPr rtlCol="0" anchor="ctr"/>
+          <a:lstStyle/>
+          <a:p>
+            <a:pPr algn="ctr"/>
+            <a:r>
+              <a:rPr lang="en-US" sz="3200" dirty="0">
+                <a:solidFill>
+                  <a:srgbClr val="238B45"/>
+                </a:solidFill>
+              </a:rPr>
+              <a:t>20 clusters</a:t>
+            </a:r>
+            <a:endParaRPr lang="en-US" sz="3200" dirty="0"/>
+          </a:p>
+        </p:txBody>
+      </p:sp>
     </p:spTree>
     <p:extLst>
       <p:ext uri="{BB962C8B-B14F-4D97-AF65-F5344CB8AC3E}">
